--- a/2021/04 - April/28 - Summit 2021 - High-Intensity Scripting/High-Intensity Scripting.pptx
+++ b/2021/04 - April/28 - Summit 2021 - High-Intensity Scripting/High-Intensity Scripting.pptx
@@ -8,9 +8,13 @@
     <p:sldId id="258" r:id="rId5"/>
     <p:sldId id="260" r:id="rId6"/>
     <p:sldId id="259" r:id="rId7"/>
-    <p:sldId id="261" r:id="rId8"/>
-    <p:sldId id="262" r:id="rId9"/>
-    <p:sldId id="263" r:id="rId10"/>
+    <p:sldId id="264" r:id="rId8"/>
+    <p:sldId id="261" r:id="rId9"/>
+    <p:sldId id="262" r:id="rId10"/>
+    <p:sldId id="263" r:id="rId11"/>
+    <p:sldId id="265" r:id="rId12"/>
+    <p:sldId id="266" r:id="rId13"/>
+    <p:sldId id="267" r:id="rId14"/>
   </p:sldIdLst>
   <p:sldSz cx="12192000" cy="6858000"/>
   <p:notesSz cx="6858000" cy="9144000"/>
@@ -261,7 +265,7 @@
           <a:p>
             <a:fld id="{48A87A34-81AB-432B-8DAE-1953F412C126}" type="datetimeFigureOut">
               <a:rPr lang="en-US" dirty="0"/>
-              <a:t>4/6/2021</a:t>
+              <a:t>4/7/2021</a:t>
             </a:fld>
             <a:endParaRPr lang="en-US" dirty="0"/>
           </a:p>
@@ -453,7 +457,7 @@
           <a:p>
             <a:fld id="{48A87A34-81AB-432B-8DAE-1953F412C126}" type="datetimeFigureOut">
               <a:rPr lang="en-US" dirty="0"/>
-              <a:t>4/6/2021</a:t>
+              <a:t>4/7/2021</a:t>
             </a:fld>
             <a:endParaRPr lang="en-US" dirty="0"/>
           </a:p>
@@ -626,7 +630,7 @@
           <a:p>
             <a:fld id="{48A87A34-81AB-432B-8DAE-1953F412C126}" type="datetimeFigureOut">
               <a:rPr lang="en-US" dirty="0"/>
-              <a:t>4/6/2021</a:t>
+              <a:t>4/7/2021</a:t>
             </a:fld>
             <a:endParaRPr lang="en-US" dirty="0"/>
           </a:p>
@@ -877,7 +881,7 @@
           <a:p>
             <a:fld id="{48A87A34-81AB-432B-8DAE-1953F412C126}" type="datetimeFigureOut">
               <a:rPr lang="en-US" dirty="0"/>
-              <a:t>4/6/2021</a:t>
+              <a:t>4/7/2021</a:t>
             </a:fld>
             <a:endParaRPr lang="en-US" dirty="0"/>
           </a:p>
@@ -1117,7 +1121,7 @@
           <a:p>
             <a:fld id="{48A87A34-81AB-432B-8DAE-1953F412C126}" type="datetimeFigureOut">
               <a:rPr lang="en-US" dirty="0"/>
-              <a:t>4/6/2021</a:t>
+              <a:t>4/7/2021</a:t>
             </a:fld>
             <a:endParaRPr lang="en-US" dirty="0"/>
           </a:p>
@@ -1505,7 +1509,7 @@
           <a:p>
             <a:fld id="{48A87A34-81AB-432B-8DAE-1953F412C126}" type="datetimeFigureOut">
               <a:rPr lang="en-US" dirty="0"/>
-              <a:t>4/6/2021</a:t>
+              <a:t>4/7/2021</a:t>
             </a:fld>
             <a:endParaRPr lang="en-US" dirty="0"/>
           </a:p>
@@ -1625,7 +1629,7 @@
           <a:p>
             <a:fld id="{48A87A34-81AB-432B-8DAE-1953F412C126}" type="datetimeFigureOut">
               <a:rPr lang="en-US" dirty="0"/>
-              <a:t>4/6/2021</a:t>
+              <a:t>4/7/2021</a:t>
             </a:fld>
             <a:endParaRPr lang="en-US" dirty="0"/>
           </a:p>
@@ -1723,7 +1727,7 @@
           <a:p>
             <a:fld id="{48A87A34-81AB-432B-8DAE-1953F412C126}" type="datetimeFigureOut">
               <a:rPr lang="en-US" dirty="0"/>
-              <a:t>4/6/2021</a:t>
+              <a:t>4/7/2021</a:t>
             </a:fld>
             <a:endParaRPr lang="en-US" dirty="0"/>
           </a:p>
@@ -1946,7 +1950,7 @@
           <a:p>
             <a:fld id="{48A87A34-81AB-432B-8DAE-1953F412C126}" type="datetimeFigureOut">
               <a:rPr lang="en-US" dirty="0"/>
-              <a:t>4/6/2021</a:t>
+              <a:t>4/7/2021</a:t>
             </a:fld>
             <a:endParaRPr lang="en-US" dirty="0"/>
           </a:p>
@@ -2119,7 +2123,7 @@
           <a:p>
             <a:fld id="{48A87A34-81AB-432B-8DAE-1953F412C126}" type="datetimeFigureOut">
               <a:rPr lang="en-US" dirty="0"/>
-              <a:t>4/6/2021</a:t>
+              <a:t>4/7/2021</a:t>
             </a:fld>
             <a:endParaRPr lang="en-US" dirty="0"/>
           </a:p>
@@ -2369,7 +2373,7 @@
             <a:fld id="{48A87A34-81AB-432B-8DAE-1953F412C126}" type="datetimeFigureOut">
               <a:rPr lang="en-US" dirty="0"/>
               <a:pPr/>
-              <a:t>4/6/2021</a:t>
+              <a:t>4/7/2021</a:t>
             </a:fld>
             <a:endParaRPr lang="en-US" dirty="0"/>
           </a:p>
@@ -3198,6 +3202,124 @@
 </p:sld>
 </file>
 
+<file path=ppt/slides/slide10.xml><?xml version="1.0" encoding="utf-8"?>
+<p:sld xmlns:a="http://schemas.openxmlformats.org/drawingml/2006/main" xmlns:r="http://schemas.openxmlformats.org/officeDocument/2006/relationships" xmlns:p="http://schemas.openxmlformats.org/presentationml/2006/main">
+  <p:cSld>
+    <p:spTree>
+      <p:nvGrpSpPr>
+        <p:cNvPr id="1" name=""/>
+        <p:cNvGrpSpPr/>
+        <p:nvPr/>
+      </p:nvGrpSpPr>
+      <p:grpSpPr>
+        <a:xfrm>
+          <a:off x="0" y="0"/>
+          <a:ext cx="0" cy="0"/>
+          <a:chOff x="0" y="0"/>
+          <a:chExt cx="0" cy="0"/>
+        </a:xfrm>
+      </p:grpSpPr>
+      <p:sp>
+        <p:nvSpPr>
+          <p:cNvPr id="2" name="Title 1">
+            <a:extLst>
+              <a:ext uri="{FF2B5EF4-FFF2-40B4-BE49-F238E27FC236}">
+                <a16:creationId xmlns:a16="http://schemas.microsoft.com/office/drawing/2014/main" id="{CC29AFAE-948A-4220-973F-640B8089008A}"/>
+              </a:ext>
+            </a:extLst>
+          </p:cNvPr>
+          <p:cNvSpPr>
+            <a:spLocks noGrp="1"/>
+          </p:cNvSpPr>
+          <p:nvPr>
+            <p:ph type="title"/>
+          </p:nvPr>
+        </p:nvSpPr>
+        <p:spPr/>
+        <p:txBody>
+          <a:bodyPr/>
+          <a:lstStyle/>
+          <a:p>
+            <a:r>
+              <a:rPr lang="en-US" dirty="0"/>
+              <a:t>Thank YOU! 💜</a:t>
+            </a:r>
+            <a:endParaRPr lang="en-NZ" dirty="0"/>
+          </a:p>
+        </p:txBody>
+      </p:sp>
+      <p:sp>
+        <p:nvSpPr>
+          <p:cNvPr id="3" name="Content Placeholder 2">
+            <a:extLst>
+              <a:ext uri="{FF2B5EF4-FFF2-40B4-BE49-F238E27FC236}">
+                <a16:creationId xmlns:a16="http://schemas.microsoft.com/office/drawing/2014/main" id="{CA7005F6-7F5E-4F35-9479-85A49AA937AF}"/>
+              </a:ext>
+            </a:extLst>
+          </p:cNvPr>
+          <p:cNvSpPr>
+            <a:spLocks noGrp="1"/>
+          </p:cNvSpPr>
+          <p:nvPr>
+            <p:ph idx="1"/>
+          </p:nvPr>
+        </p:nvSpPr>
+        <p:spPr/>
+        <p:txBody>
+          <a:bodyPr/>
+          <a:lstStyle/>
+          <a:p>
+            <a:pPr marL="0" indent="0">
+              <a:buNone/>
+            </a:pPr>
+            <a:endParaRPr lang="en-US" dirty="0"/>
+          </a:p>
+          <a:p>
+            <a:pPr marL="0" indent="0">
+              <a:buNone/>
+            </a:pPr>
+            <a:r>
+              <a:rPr lang="en-NZ" sz="2400" dirty="0"/>
+              <a:t>Get this slide deck and demo code from:</a:t>
+            </a:r>
+          </a:p>
+          <a:p>
+            <a:pPr marL="0" indent="0">
+              <a:buNone/>
+            </a:pPr>
+            <a:r>
+              <a:rPr lang="en-NZ" sz="2800" dirty="0"/>
+              <a:t>	</a:t>
+            </a:r>
+            <a:r>
+              <a:rPr lang="en-NZ" sz="2800" dirty="0">
+                <a:solidFill>
+                  <a:schemeClr val="tx2"/>
+                </a:solidFill>
+              </a:rPr>
+              <a:t>https://toast.click/PSH2021</a:t>
+            </a:r>
+            <a:endParaRPr lang="en-NZ" dirty="0">
+              <a:solidFill>
+                <a:schemeClr val="tx2"/>
+              </a:solidFill>
+            </a:endParaRPr>
+          </a:p>
+        </p:txBody>
+      </p:sp>
+    </p:spTree>
+    <p:extLst>
+      <p:ext uri="{BB962C8B-B14F-4D97-AF65-F5344CB8AC3E}">
+        <p14:creationId xmlns:p14="http://schemas.microsoft.com/office/powerpoint/2010/main" val="3877644104"/>
+      </p:ext>
+    </p:extLst>
+  </p:cSld>
+  <p:clrMapOvr>
+    <a:masterClrMapping/>
+  </p:clrMapOvr>
+</p:sld>
+</file>
+
 <file path=ppt/slides/slide2.xml><?xml version="1.0" encoding="utf-8"?>
 <p:sld xmlns:a="http://schemas.openxmlformats.org/drawingml/2006/main" xmlns:r="http://schemas.openxmlformats.org/officeDocument/2006/relationships" xmlns:p="http://schemas.openxmlformats.org/presentationml/2006/main">
   <p:cSld>
@@ -3783,6 +3905,285 @@
           <p:cNvPr id="5" name="Title 4">
             <a:extLst>
               <a:ext uri="{FF2B5EF4-FFF2-40B4-BE49-F238E27FC236}">
+                <a16:creationId xmlns:a16="http://schemas.microsoft.com/office/drawing/2014/main" id="{D5D63FE4-A25D-4647-999A-F8635D4675A8}"/>
+              </a:ext>
+            </a:extLst>
+          </p:cNvPr>
+          <p:cNvSpPr>
+            <a:spLocks noGrp="1"/>
+          </p:cNvSpPr>
+          <p:nvPr>
+            <p:ph type="title"/>
+          </p:nvPr>
+        </p:nvSpPr>
+        <p:spPr/>
+        <p:txBody>
+          <a:bodyPr/>
+          <a:lstStyle/>
+          <a:p>
+            <a:r>
+              <a:rPr lang="en-US" dirty="0"/>
+              <a:t>Fundamentals (which won’t be re-tested)</a:t>
+            </a:r>
+            <a:endParaRPr lang="en-NZ" dirty="0"/>
+          </a:p>
+        </p:txBody>
+      </p:sp>
+      <p:sp>
+        <p:nvSpPr>
+          <p:cNvPr id="6" name="Content Placeholder 5">
+            <a:extLst>
+              <a:ext uri="{FF2B5EF4-FFF2-40B4-BE49-F238E27FC236}">
+                <a16:creationId xmlns:a16="http://schemas.microsoft.com/office/drawing/2014/main" id="{7A00761E-BD61-41F8-8A99-F89B4B75F31B}"/>
+              </a:ext>
+            </a:extLst>
+          </p:cNvPr>
+          <p:cNvSpPr>
+            <a:spLocks noGrp="1"/>
+          </p:cNvSpPr>
+          <p:nvPr>
+            <p:ph idx="1"/>
+          </p:nvPr>
+        </p:nvSpPr>
+        <p:spPr/>
+        <p:txBody>
+          <a:bodyPr>
+            <a:normAutofit/>
+          </a:bodyPr>
+          <a:lstStyle/>
+          <a:p>
+            <a:r>
+              <a:rPr lang="en-US" sz="2400" dirty="0"/>
+              <a:t>Displaying output is slow</a:t>
+            </a:r>
+          </a:p>
+          <a:p>
+            <a:r>
+              <a:rPr lang="en-US" sz="2400" dirty="0"/>
+              <a:t>Filter left</a:t>
+            </a:r>
+          </a:p>
+          <a:p>
+            <a:r>
+              <a:rPr lang="en-US" sz="2400" dirty="0"/>
+              <a:t>Parallelization is (usually) a winner</a:t>
+            </a:r>
+            <a:endParaRPr lang="en-NZ" sz="2400" dirty="0"/>
+          </a:p>
+        </p:txBody>
+      </p:sp>
+    </p:spTree>
+    <p:extLst>
+      <p:ext uri="{BB962C8B-B14F-4D97-AF65-F5344CB8AC3E}">
+        <p14:creationId xmlns:p14="http://schemas.microsoft.com/office/powerpoint/2010/main" val="3464095808"/>
+      </p:ext>
+    </p:extLst>
+  </p:cSld>
+  <p:clrMapOvr>
+    <a:masterClrMapping/>
+  </p:clrMapOvr>
+  <p:timing>
+    <p:tnLst>
+      <p:par>
+        <p:cTn id="1" dur="indefinite" restart="never" nodeType="tmRoot">
+          <p:childTnLst>
+            <p:seq concurrent="1" nextAc="seek">
+              <p:cTn id="2" dur="indefinite" nodeType="mainSeq">
+                <p:childTnLst>
+                  <p:par>
+                    <p:cTn id="3" fill="hold">
+                      <p:stCondLst>
+                        <p:cond delay="indefinite"/>
+                      </p:stCondLst>
+                      <p:childTnLst>
+                        <p:par>
+                          <p:cTn id="4" fill="hold">
+                            <p:stCondLst>
+                              <p:cond delay="0"/>
+                            </p:stCondLst>
+                            <p:childTnLst>
+                              <p:par>
+                                <p:cTn id="5" presetID="1" presetClass="entr" presetSubtype="0" fill="hold" nodeType="clickEffect">
+                                  <p:stCondLst>
+                                    <p:cond delay="0"/>
+                                  </p:stCondLst>
+                                  <p:childTnLst>
+                                    <p:set>
+                                      <p:cBhvr>
+                                        <p:cTn id="6" dur="1" fill="hold">
+                                          <p:stCondLst>
+                                            <p:cond delay="0"/>
+                                          </p:stCondLst>
+                                        </p:cTn>
+                                        <p:tgtEl>
+                                          <p:spTgt spid="6">
+                                            <p:txEl>
+                                              <p:pRg st="0" end="0"/>
+                                            </p:txEl>
+                                          </p:spTgt>
+                                        </p:tgtEl>
+                                        <p:attrNameLst>
+                                          <p:attrName>style.visibility</p:attrName>
+                                        </p:attrNameLst>
+                                      </p:cBhvr>
+                                      <p:to>
+                                        <p:strVal val="visible"/>
+                                      </p:to>
+                                    </p:set>
+                                  </p:childTnLst>
+                                </p:cTn>
+                              </p:par>
+                            </p:childTnLst>
+                          </p:cTn>
+                        </p:par>
+                      </p:childTnLst>
+                    </p:cTn>
+                  </p:par>
+                  <p:par>
+                    <p:cTn id="7" fill="hold">
+                      <p:stCondLst>
+                        <p:cond delay="indefinite"/>
+                      </p:stCondLst>
+                      <p:childTnLst>
+                        <p:par>
+                          <p:cTn id="8" fill="hold">
+                            <p:stCondLst>
+                              <p:cond delay="0"/>
+                            </p:stCondLst>
+                            <p:childTnLst>
+                              <p:par>
+                                <p:cTn id="9" presetID="1" presetClass="entr" presetSubtype="0" fill="hold" nodeType="clickEffect">
+                                  <p:stCondLst>
+                                    <p:cond delay="0"/>
+                                  </p:stCondLst>
+                                  <p:childTnLst>
+                                    <p:set>
+                                      <p:cBhvr>
+                                        <p:cTn id="10" dur="1" fill="hold">
+                                          <p:stCondLst>
+                                            <p:cond delay="0"/>
+                                          </p:stCondLst>
+                                        </p:cTn>
+                                        <p:tgtEl>
+                                          <p:spTgt spid="6">
+                                            <p:txEl>
+                                              <p:pRg st="1" end="1"/>
+                                            </p:txEl>
+                                          </p:spTgt>
+                                        </p:tgtEl>
+                                        <p:attrNameLst>
+                                          <p:attrName>style.visibility</p:attrName>
+                                        </p:attrNameLst>
+                                      </p:cBhvr>
+                                      <p:to>
+                                        <p:strVal val="visible"/>
+                                      </p:to>
+                                    </p:set>
+                                  </p:childTnLst>
+                                </p:cTn>
+                              </p:par>
+                            </p:childTnLst>
+                          </p:cTn>
+                        </p:par>
+                      </p:childTnLst>
+                    </p:cTn>
+                  </p:par>
+                  <p:par>
+                    <p:cTn id="11" fill="hold">
+                      <p:stCondLst>
+                        <p:cond delay="indefinite"/>
+                      </p:stCondLst>
+                      <p:childTnLst>
+                        <p:par>
+                          <p:cTn id="12" fill="hold">
+                            <p:stCondLst>
+                              <p:cond delay="0"/>
+                            </p:stCondLst>
+                            <p:childTnLst>
+                              <p:par>
+                                <p:cTn id="13" presetID="1" presetClass="entr" presetSubtype="0" fill="hold" nodeType="clickEffect">
+                                  <p:stCondLst>
+                                    <p:cond delay="0"/>
+                                  </p:stCondLst>
+                                  <p:childTnLst>
+                                    <p:set>
+                                      <p:cBhvr>
+                                        <p:cTn id="14" dur="1" fill="hold">
+                                          <p:stCondLst>
+                                            <p:cond delay="0"/>
+                                          </p:stCondLst>
+                                        </p:cTn>
+                                        <p:tgtEl>
+                                          <p:spTgt spid="6">
+                                            <p:txEl>
+                                              <p:pRg st="2" end="2"/>
+                                            </p:txEl>
+                                          </p:spTgt>
+                                        </p:tgtEl>
+                                        <p:attrNameLst>
+                                          <p:attrName>style.visibility</p:attrName>
+                                        </p:attrNameLst>
+                                      </p:cBhvr>
+                                      <p:to>
+                                        <p:strVal val="visible"/>
+                                      </p:to>
+                                    </p:set>
+                                  </p:childTnLst>
+                                </p:cTn>
+                              </p:par>
+                            </p:childTnLst>
+                          </p:cTn>
+                        </p:par>
+                      </p:childTnLst>
+                    </p:cTn>
+                  </p:par>
+                </p:childTnLst>
+              </p:cTn>
+              <p:prevCondLst>
+                <p:cond evt="onPrev" delay="0">
+                  <p:tgtEl>
+                    <p:sldTgt/>
+                  </p:tgtEl>
+                </p:cond>
+              </p:prevCondLst>
+              <p:nextCondLst>
+                <p:cond evt="onNext" delay="0">
+                  <p:tgtEl>
+                    <p:sldTgt/>
+                  </p:tgtEl>
+                </p:cond>
+              </p:nextCondLst>
+            </p:seq>
+          </p:childTnLst>
+        </p:cTn>
+      </p:par>
+    </p:tnLst>
+  </p:timing>
+</p:sld>
+</file>
+
+<file path=ppt/slides/slide5.xml><?xml version="1.0" encoding="utf-8"?>
+<p:sld xmlns:a="http://schemas.openxmlformats.org/drawingml/2006/main" xmlns:r="http://schemas.openxmlformats.org/officeDocument/2006/relationships" xmlns:p="http://schemas.openxmlformats.org/presentationml/2006/main">
+  <p:cSld>
+    <p:spTree>
+      <p:nvGrpSpPr>
+        <p:cNvPr id="1" name=""/>
+        <p:cNvGrpSpPr/>
+        <p:nvPr/>
+      </p:nvGrpSpPr>
+      <p:grpSpPr>
+        <a:xfrm>
+          <a:off x="0" y="0"/>
+          <a:ext cx="0" cy="0"/>
+          <a:chOff x="0" y="0"/>
+          <a:chExt cx="0" cy="0"/>
+        </a:xfrm>
+      </p:grpSpPr>
+      <p:sp>
+        <p:nvSpPr>
+          <p:cNvPr id="5" name="Title 4">
+            <a:extLst>
+              <a:ext uri="{FF2B5EF4-FFF2-40B4-BE49-F238E27FC236}">
                 <a16:creationId xmlns:a16="http://schemas.microsoft.com/office/drawing/2014/main" id="{86A32709-9A3E-41B3-A2FD-F9692F7E5E7B}"/>
               </a:ext>
             </a:extLst>
@@ -3802,41 +4203,6 @@
             <a:r>
               <a:rPr lang="en-US" dirty="0"/>
               <a:t>Why worry About Speed in PowerShell?</a:t>
-            </a:r>
-            <a:endParaRPr lang="en-NZ" dirty="0"/>
-          </a:p>
-        </p:txBody>
-      </p:sp>
-      <p:sp>
-        <p:nvSpPr>
-          <p:cNvPr id="6" name="Content Placeholder 5">
-            <a:extLst>
-              <a:ext uri="{FF2B5EF4-FFF2-40B4-BE49-F238E27FC236}">
-                <a16:creationId xmlns:a16="http://schemas.microsoft.com/office/drawing/2014/main" id="{4539CD32-0042-4D68-9BE4-3F55DAFCBC1A}"/>
-              </a:ext>
-            </a:extLst>
-          </p:cNvPr>
-          <p:cNvSpPr>
-            <a:spLocks noGrp="1"/>
-          </p:cNvSpPr>
-          <p:nvPr>
-            <p:ph idx="1"/>
-          </p:nvPr>
-        </p:nvSpPr>
-        <p:spPr/>
-        <p:txBody>
-          <a:bodyPr/>
-          <a:lstStyle/>
-          <a:p>
-            <a:r>
-              <a:rPr lang="en-US" dirty="0"/>
-              <a:t>Bad perception</a:t>
-            </a:r>
-          </a:p>
-          <a:p>
-            <a:r>
-              <a:rPr lang="en-US" dirty="0"/>
-              <a:t>Common complaint</a:t>
             </a:r>
             <a:endParaRPr lang="en-NZ" dirty="0"/>
           </a:p>
@@ -3864,7 +4230,7 @@
         </p:blipFill>
         <p:spPr>
           <a:xfrm>
-            <a:off x="1457888" y="3082338"/>
+            <a:off x="1452897" y="2467196"/>
             <a:ext cx="7162237" cy="2632561"/>
           </a:xfrm>
           <a:prstGeom prst="rect">
@@ -3970,7 +4336,7 @@
 </p:sld>
 </file>
 
-<file path=ppt/slides/slide5.xml><?xml version="1.0" encoding="utf-8"?>
+<file path=ppt/slides/slide6.xml><?xml version="1.0" encoding="utf-8"?>
 <p:sld xmlns:a="http://schemas.openxmlformats.org/drawingml/2006/main" xmlns:r="http://schemas.openxmlformats.org/officeDocument/2006/relationships" xmlns:p="http://schemas.openxmlformats.org/presentationml/2006/main">
   <p:cSld>
     <p:spTree>
@@ -4304,7 +4670,7 @@
 </p:sld>
 </file>
 
-<file path=ppt/slides/slide6.xml><?xml version="1.0" encoding="utf-8"?>
+<file path=ppt/slides/slide7.xml><?xml version="1.0" encoding="utf-8"?>
 <p:sld xmlns:a="http://schemas.openxmlformats.org/drawingml/2006/main" xmlns:r="http://schemas.openxmlformats.org/officeDocument/2006/relationships" xmlns:p="http://schemas.openxmlformats.org/presentationml/2006/main">
   <p:cSld>
     <p:spTree>
@@ -4389,6 +4755,746 @@
   <p:clrMapOvr>
     <a:masterClrMapping/>
   </p:clrMapOvr>
+</p:sld>
+</file>
+
+<file path=ppt/slides/slide8.xml><?xml version="1.0" encoding="utf-8"?>
+<p:sld xmlns:a="http://schemas.openxmlformats.org/drawingml/2006/main" xmlns:r="http://schemas.openxmlformats.org/officeDocument/2006/relationships" xmlns:p="http://schemas.openxmlformats.org/presentationml/2006/main">
+  <p:cSld>
+    <p:spTree>
+      <p:nvGrpSpPr>
+        <p:cNvPr id="1" name=""/>
+        <p:cNvGrpSpPr/>
+        <p:nvPr/>
+      </p:nvGrpSpPr>
+      <p:grpSpPr>
+        <a:xfrm>
+          <a:off x="0" y="0"/>
+          <a:ext cx="0" cy="0"/>
+          <a:chOff x="0" y="0"/>
+          <a:chExt cx="0" cy="0"/>
+        </a:xfrm>
+      </p:grpSpPr>
+      <p:sp>
+        <p:nvSpPr>
+          <p:cNvPr id="4" name="Title 3">
+            <a:extLst>
+              <a:ext uri="{FF2B5EF4-FFF2-40B4-BE49-F238E27FC236}">
+                <a16:creationId xmlns:a16="http://schemas.microsoft.com/office/drawing/2014/main" id="{EBD03DB6-1B3C-406D-A04A-5BD9C5EFF793}"/>
+              </a:ext>
+            </a:extLst>
+          </p:cNvPr>
+          <p:cNvSpPr>
+            <a:spLocks noGrp="1"/>
+          </p:cNvSpPr>
+          <p:nvPr>
+            <p:ph type="title"/>
+          </p:nvPr>
+        </p:nvSpPr>
+        <p:spPr/>
+        <p:txBody>
+          <a:bodyPr/>
+          <a:lstStyle/>
+          <a:p>
+            <a:r>
+              <a:rPr lang="en-US" dirty="0"/>
+              <a:t>So, I just take these results</a:t>
+            </a:r>
+            <a:br>
+              <a:rPr lang="en-US" dirty="0"/>
+            </a:br>
+            <a:r>
+              <a:rPr lang="en-US" dirty="0"/>
+              <a:t>and run with them?</a:t>
+            </a:r>
+            <a:endParaRPr lang="en-NZ" dirty="0"/>
+          </a:p>
+        </p:txBody>
+      </p:sp>
+      <p:sp>
+        <p:nvSpPr>
+          <p:cNvPr id="5" name="Content Placeholder 4">
+            <a:extLst>
+              <a:ext uri="{FF2B5EF4-FFF2-40B4-BE49-F238E27FC236}">
+                <a16:creationId xmlns:a16="http://schemas.microsoft.com/office/drawing/2014/main" id="{2C9B69EB-A6EC-4F45-8F56-8EBDA0278457}"/>
+              </a:ext>
+            </a:extLst>
+          </p:cNvPr>
+          <p:cNvSpPr>
+            <a:spLocks noGrp="1"/>
+          </p:cNvSpPr>
+          <p:nvPr>
+            <p:ph idx="1"/>
+          </p:nvPr>
+        </p:nvSpPr>
+        <p:spPr/>
+        <p:txBody>
+          <a:bodyPr>
+            <a:normAutofit/>
+          </a:bodyPr>
+          <a:lstStyle/>
+          <a:p>
+            <a:r>
+              <a:rPr lang="en-US" sz="2400" dirty="0"/>
+              <a:t>NO WAY!</a:t>
+            </a:r>
+          </a:p>
+          <a:p>
+            <a:pPr lvl="1"/>
+            <a:r>
+              <a:rPr lang="en-US" sz="2000" dirty="0"/>
+              <a:t>You’ve got to think about memory and processor constraints</a:t>
+            </a:r>
+          </a:p>
+          <a:p>
+            <a:pPr lvl="1"/>
+            <a:r>
+              <a:rPr lang="en-US" sz="2000" dirty="0"/>
+              <a:t>Don’t go breaking scripts that are working fine</a:t>
+            </a:r>
+          </a:p>
+          <a:p>
+            <a:pPr lvl="1"/>
+            <a:r>
+              <a:rPr lang="en-US" sz="2000" dirty="0"/>
+              <a:t>It worked for me, your environment may have a different opinion</a:t>
+            </a:r>
+            <a:endParaRPr lang="en-NZ" sz="2000" dirty="0"/>
+          </a:p>
+        </p:txBody>
+      </p:sp>
+    </p:spTree>
+    <p:extLst>
+      <p:ext uri="{BB962C8B-B14F-4D97-AF65-F5344CB8AC3E}">
+        <p14:creationId xmlns:p14="http://schemas.microsoft.com/office/powerpoint/2010/main" val="3837698719"/>
+      </p:ext>
+    </p:extLst>
+  </p:cSld>
+  <p:clrMapOvr>
+    <a:masterClrMapping/>
+  </p:clrMapOvr>
+  <p:timing>
+    <p:tnLst>
+      <p:par>
+        <p:cTn id="1" dur="indefinite" restart="never" nodeType="tmRoot">
+          <p:childTnLst>
+            <p:seq concurrent="1" nextAc="seek">
+              <p:cTn id="2" dur="indefinite" nodeType="mainSeq">
+                <p:childTnLst>
+                  <p:par>
+                    <p:cTn id="3" fill="hold">
+                      <p:stCondLst>
+                        <p:cond delay="indefinite"/>
+                      </p:stCondLst>
+                      <p:childTnLst>
+                        <p:par>
+                          <p:cTn id="4" fill="hold">
+                            <p:stCondLst>
+                              <p:cond delay="0"/>
+                            </p:stCondLst>
+                            <p:childTnLst>
+                              <p:par>
+                                <p:cTn id="5" presetID="1" presetClass="entr" presetSubtype="0" fill="hold" nodeType="clickEffect">
+                                  <p:stCondLst>
+                                    <p:cond delay="0"/>
+                                  </p:stCondLst>
+                                  <p:childTnLst>
+                                    <p:set>
+                                      <p:cBhvr>
+                                        <p:cTn id="6" dur="1" fill="hold">
+                                          <p:stCondLst>
+                                            <p:cond delay="0"/>
+                                          </p:stCondLst>
+                                        </p:cTn>
+                                        <p:tgtEl>
+                                          <p:spTgt spid="5">
+                                            <p:txEl>
+                                              <p:pRg st="0" end="0"/>
+                                            </p:txEl>
+                                          </p:spTgt>
+                                        </p:tgtEl>
+                                        <p:attrNameLst>
+                                          <p:attrName>style.visibility</p:attrName>
+                                        </p:attrNameLst>
+                                      </p:cBhvr>
+                                      <p:to>
+                                        <p:strVal val="visible"/>
+                                      </p:to>
+                                    </p:set>
+                                  </p:childTnLst>
+                                </p:cTn>
+                              </p:par>
+                            </p:childTnLst>
+                          </p:cTn>
+                        </p:par>
+                      </p:childTnLst>
+                    </p:cTn>
+                  </p:par>
+                  <p:par>
+                    <p:cTn id="7" fill="hold">
+                      <p:stCondLst>
+                        <p:cond delay="indefinite"/>
+                      </p:stCondLst>
+                      <p:childTnLst>
+                        <p:par>
+                          <p:cTn id="8" fill="hold">
+                            <p:stCondLst>
+                              <p:cond delay="0"/>
+                            </p:stCondLst>
+                            <p:childTnLst>
+                              <p:par>
+                                <p:cTn id="9" presetID="1" presetClass="entr" presetSubtype="0" fill="hold" nodeType="clickEffect">
+                                  <p:stCondLst>
+                                    <p:cond delay="0"/>
+                                  </p:stCondLst>
+                                  <p:childTnLst>
+                                    <p:set>
+                                      <p:cBhvr>
+                                        <p:cTn id="10" dur="1" fill="hold">
+                                          <p:stCondLst>
+                                            <p:cond delay="0"/>
+                                          </p:stCondLst>
+                                        </p:cTn>
+                                        <p:tgtEl>
+                                          <p:spTgt spid="5">
+                                            <p:txEl>
+                                              <p:pRg st="1" end="1"/>
+                                            </p:txEl>
+                                          </p:spTgt>
+                                        </p:tgtEl>
+                                        <p:attrNameLst>
+                                          <p:attrName>style.visibility</p:attrName>
+                                        </p:attrNameLst>
+                                      </p:cBhvr>
+                                      <p:to>
+                                        <p:strVal val="visible"/>
+                                      </p:to>
+                                    </p:set>
+                                  </p:childTnLst>
+                                </p:cTn>
+                              </p:par>
+                            </p:childTnLst>
+                          </p:cTn>
+                        </p:par>
+                      </p:childTnLst>
+                    </p:cTn>
+                  </p:par>
+                  <p:par>
+                    <p:cTn id="11" fill="hold">
+                      <p:stCondLst>
+                        <p:cond delay="indefinite"/>
+                      </p:stCondLst>
+                      <p:childTnLst>
+                        <p:par>
+                          <p:cTn id="12" fill="hold">
+                            <p:stCondLst>
+                              <p:cond delay="0"/>
+                            </p:stCondLst>
+                            <p:childTnLst>
+                              <p:par>
+                                <p:cTn id="13" presetID="1" presetClass="entr" presetSubtype="0" fill="hold" nodeType="clickEffect">
+                                  <p:stCondLst>
+                                    <p:cond delay="0"/>
+                                  </p:stCondLst>
+                                  <p:childTnLst>
+                                    <p:set>
+                                      <p:cBhvr>
+                                        <p:cTn id="14" dur="1" fill="hold">
+                                          <p:stCondLst>
+                                            <p:cond delay="0"/>
+                                          </p:stCondLst>
+                                        </p:cTn>
+                                        <p:tgtEl>
+                                          <p:spTgt spid="5">
+                                            <p:txEl>
+                                              <p:pRg st="2" end="2"/>
+                                            </p:txEl>
+                                          </p:spTgt>
+                                        </p:tgtEl>
+                                        <p:attrNameLst>
+                                          <p:attrName>style.visibility</p:attrName>
+                                        </p:attrNameLst>
+                                      </p:cBhvr>
+                                      <p:to>
+                                        <p:strVal val="visible"/>
+                                      </p:to>
+                                    </p:set>
+                                  </p:childTnLst>
+                                </p:cTn>
+                              </p:par>
+                            </p:childTnLst>
+                          </p:cTn>
+                        </p:par>
+                      </p:childTnLst>
+                    </p:cTn>
+                  </p:par>
+                  <p:par>
+                    <p:cTn id="15" fill="hold">
+                      <p:stCondLst>
+                        <p:cond delay="indefinite"/>
+                      </p:stCondLst>
+                      <p:childTnLst>
+                        <p:par>
+                          <p:cTn id="16" fill="hold">
+                            <p:stCondLst>
+                              <p:cond delay="0"/>
+                            </p:stCondLst>
+                            <p:childTnLst>
+                              <p:par>
+                                <p:cTn id="17" presetID="1" presetClass="entr" presetSubtype="0" fill="hold" nodeType="clickEffect">
+                                  <p:stCondLst>
+                                    <p:cond delay="0"/>
+                                  </p:stCondLst>
+                                  <p:childTnLst>
+                                    <p:set>
+                                      <p:cBhvr>
+                                        <p:cTn id="18" dur="1" fill="hold">
+                                          <p:stCondLst>
+                                            <p:cond delay="0"/>
+                                          </p:stCondLst>
+                                        </p:cTn>
+                                        <p:tgtEl>
+                                          <p:spTgt spid="5">
+                                            <p:txEl>
+                                              <p:pRg st="3" end="3"/>
+                                            </p:txEl>
+                                          </p:spTgt>
+                                        </p:tgtEl>
+                                        <p:attrNameLst>
+                                          <p:attrName>style.visibility</p:attrName>
+                                        </p:attrNameLst>
+                                      </p:cBhvr>
+                                      <p:to>
+                                        <p:strVal val="visible"/>
+                                      </p:to>
+                                    </p:set>
+                                  </p:childTnLst>
+                                </p:cTn>
+                              </p:par>
+                            </p:childTnLst>
+                          </p:cTn>
+                        </p:par>
+                      </p:childTnLst>
+                    </p:cTn>
+                  </p:par>
+                </p:childTnLst>
+              </p:cTn>
+              <p:prevCondLst>
+                <p:cond evt="onPrev" delay="0">
+                  <p:tgtEl>
+                    <p:sldTgt/>
+                  </p:tgtEl>
+                </p:cond>
+              </p:prevCondLst>
+              <p:nextCondLst>
+                <p:cond evt="onNext" delay="0">
+                  <p:tgtEl>
+                    <p:sldTgt/>
+                  </p:tgtEl>
+                </p:cond>
+              </p:nextCondLst>
+            </p:seq>
+          </p:childTnLst>
+        </p:cTn>
+      </p:par>
+    </p:tnLst>
+  </p:timing>
+</p:sld>
+</file>
+
+<file path=ppt/slides/slide9.xml><?xml version="1.0" encoding="utf-8"?>
+<p:sld xmlns:a="http://schemas.openxmlformats.org/drawingml/2006/main" xmlns:r="http://schemas.openxmlformats.org/officeDocument/2006/relationships" xmlns:p="http://schemas.openxmlformats.org/presentationml/2006/main">
+  <p:cSld>
+    <p:spTree>
+      <p:nvGrpSpPr>
+        <p:cNvPr id="1" name=""/>
+        <p:cNvGrpSpPr/>
+        <p:nvPr/>
+      </p:nvGrpSpPr>
+      <p:grpSpPr>
+        <a:xfrm>
+          <a:off x="0" y="0"/>
+          <a:ext cx="0" cy="0"/>
+          <a:chOff x="0" y="0"/>
+          <a:chExt cx="0" cy="0"/>
+        </a:xfrm>
+      </p:grpSpPr>
+      <p:sp>
+        <p:nvSpPr>
+          <p:cNvPr id="4" name="Title 3">
+            <a:extLst>
+              <a:ext uri="{FF2B5EF4-FFF2-40B4-BE49-F238E27FC236}">
+                <a16:creationId xmlns:a16="http://schemas.microsoft.com/office/drawing/2014/main" id="{EBD03DB6-1B3C-406D-A04A-5BD9C5EFF793}"/>
+              </a:ext>
+            </a:extLst>
+          </p:cNvPr>
+          <p:cNvSpPr>
+            <a:spLocks noGrp="1"/>
+          </p:cNvSpPr>
+          <p:nvPr>
+            <p:ph type="title"/>
+          </p:nvPr>
+        </p:nvSpPr>
+        <p:spPr/>
+        <p:txBody>
+          <a:bodyPr/>
+          <a:lstStyle/>
+          <a:p>
+            <a:r>
+              <a:rPr lang="en-US" dirty="0"/>
+              <a:t>Key Takeaways</a:t>
+            </a:r>
+            <a:br>
+              <a:rPr lang="en-US" dirty="0"/>
+            </a:br>
+            <a:r>
+              <a:rPr lang="en-US" sz="2000" i="1" dirty="0"/>
+              <a:t>(Borrowed from 2018)</a:t>
+            </a:r>
+            <a:endParaRPr lang="en-NZ" i="1" dirty="0"/>
+          </a:p>
+        </p:txBody>
+      </p:sp>
+      <p:sp>
+        <p:nvSpPr>
+          <p:cNvPr id="5" name="Content Placeholder 4">
+            <a:extLst>
+              <a:ext uri="{FF2B5EF4-FFF2-40B4-BE49-F238E27FC236}">
+                <a16:creationId xmlns:a16="http://schemas.microsoft.com/office/drawing/2014/main" id="{2C9B69EB-A6EC-4F45-8F56-8EBDA0278457}"/>
+              </a:ext>
+            </a:extLst>
+          </p:cNvPr>
+          <p:cNvSpPr>
+            <a:spLocks noGrp="1"/>
+          </p:cNvSpPr>
+          <p:nvPr>
+            <p:ph idx="1"/>
+          </p:nvPr>
+        </p:nvSpPr>
+        <p:spPr/>
+        <p:txBody>
+          <a:bodyPr>
+            <a:normAutofit/>
+          </a:bodyPr>
+          <a:lstStyle/>
+          <a:p>
+            <a:r>
+              <a:rPr lang="en-US" sz="2000" dirty="0"/>
+              <a:t>Don’t assume</a:t>
+            </a:r>
+          </a:p>
+          <a:p>
+            <a:r>
+              <a:rPr lang="en-US" dirty="0"/>
+              <a:t>Measure twice</a:t>
+            </a:r>
+          </a:p>
+          <a:p>
+            <a:r>
+              <a:rPr lang="en-US" sz="2000" dirty="0"/>
+              <a:t>Revisit</a:t>
+            </a:r>
+          </a:p>
+          <a:p>
+            <a:r>
+              <a:rPr lang="en-US" dirty="0"/>
+              <a:t>Worry about optimization after it’s working</a:t>
+            </a:r>
+          </a:p>
+          <a:p>
+            <a:r>
+              <a:rPr lang="en-US" sz="2000" dirty="0"/>
+              <a:t>Test your code!</a:t>
+            </a:r>
+            <a:endParaRPr lang="en-NZ" sz="2000" dirty="0"/>
+          </a:p>
+        </p:txBody>
+      </p:sp>
+    </p:spTree>
+    <p:extLst>
+      <p:ext uri="{BB962C8B-B14F-4D97-AF65-F5344CB8AC3E}">
+        <p14:creationId xmlns:p14="http://schemas.microsoft.com/office/powerpoint/2010/main" val="4076357046"/>
+      </p:ext>
+    </p:extLst>
+  </p:cSld>
+  <p:clrMapOvr>
+    <a:masterClrMapping/>
+  </p:clrMapOvr>
+  <p:timing>
+    <p:tnLst>
+      <p:par>
+        <p:cTn id="1" dur="indefinite" restart="never" nodeType="tmRoot">
+          <p:childTnLst>
+            <p:seq concurrent="1" nextAc="seek">
+              <p:cTn id="2" dur="indefinite" nodeType="mainSeq">
+                <p:childTnLst>
+                  <p:par>
+                    <p:cTn id="3" fill="hold">
+                      <p:stCondLst>
+                        <p:cond delay="indefinite"/>
+                      </p:stCondLst>
+                      <p:childTnLst>
+                        <p:par>
+                          <p:cTn id="4" fill="hold">
+                            <p:stCondLst>
+                              <p:cond delay="0"/>
+                            </p:stCondLst>
+                            <p:childTnLst>
+                              <p:par>
+                                <p:cTn id="5" presetID="1" presetClass="entr" presetSubtype="0" fill="hold" nodeType="clickEffect">
+                                  <p:stCondLst>
+                                    <p:cond delay="0"/>
+                                  </p:stCondLst>
+                                  <p:childTnLst>
+                                    <p:set>
+                                      <p:cBhvr>
+                                        <p:cTn id="6" dur="1" fill="hold">
+                                          <p:stCondLst>
+                                            <p:cond delay="0"/>
+                                          </p:stCondLst>
+                                        </p:cTn>
+                                        <p:tgtEl>
+                                          <p:spTgt spid="5">
+                                            <p:txEl>
+                                              <p:pRg st="0" end="0"/>
+                                            </p:txEl>
+                                          </p:spTgt>
+                                        </p:tgtEl>
+                                        <p:attrNameLst>
+                                          <p:attrName>style.visibility</p:attrName>
+                                        </p:attrNameLst>
+                                      </p:cBhvr>
+                                      <p:to>
+                                        <p:strVal val="visible"/>
+                                      </p:to>
+                                    </p:set>
+                                  </p:childTnLst>
+                                </p:cTn>
+                              </p:par>
+                            </p:childTnLst>
+                          </p:cTn>
+                        </p:par>
+                      </p:childTnLst>
+                    </p:cTn>
+                  </p:par>
+                  <p:par>
+                    <p:cTn id="7" fill="hold">
+                      <p:stCondLst>
+                        <p:cond delay="indefinite"/>
+                      </p:stCondLst>
+                      <p:childTnLst>
+                        <p:par>
+                          <p:cTn id="8" fill="hold">
+                            <p:stCondLst>
+                              <p:cond delay="0"/>
+                            </p:stCondLst>
+                            <p:childTnLst>
+                              <p:par>
+                                <p:cTn id="9" presetID="1" presetClass="entr" presetSubtype="0" fill="hold" nodeType="clickEffect">
+                                  <p:stCondLst>
+                                    <p:cond delay="0"/>
+                                  </p:stCondLst>
+                                  <p:childTnLst>
+                                    <p:set>
+                                      <p:cBhvr>
+                                        <p:cTn id="10" dur="1" fill="hold">
+                                          <p:stCondLst>
+                                            <p:cond delay="0"/>
+                                          </p:stCondLst>
+                                        </p:cTn>
+                                        <p:tgtEl>
+                                          <p:spTgt spid="5">
+                                            <p:txEl>
+                                              <p:pRg st="1" end="1"/>
+                                            </p:txEl>
+                                          </p:spTgt>
+                                        </p:tgtEl>
+                                        <p:attrNameLst>
+                                          <p:attrName>style.visibility</p:attrName>
+                                        </p:attrNameLst>
+                                      </p:cBhvr>
+                                      <p:to>
+                                        <p:strVal val="visible"/>
+                                      </p:to>
+                                    </p:set>
+                                  </p:childTnLst>
+                                </p:cTn>
+                              </p:par>
+                            </p:childTnLst>
+                          </p:cTn>
+                        </p:par>
+                      </p:childTnLst>
+                    </p:cTn>
+                  </p:par>
+                  <p:par>
+                    <p:cTn id="11" fill="hold">
+                      <p:stCondLst>
+                        <p:cond delay="indefinite"/>
+                      </p:stCondLst>
+                      <p:childTnLst>
+                        <p:par>
+                          <p:cTn id="12" fill="hold">
+                            <p:stCondLst>
+                              <p:cond delay="0"/>
+                            </p:stCondLst>
+                            <p:childTnLst>
+                              <p:par>
+                                <p:cTn id="13" presetID="1" presetClass="entr" presetSubtype="0" fill="hold" nodeType="clickEffect">
+                                  <p:stCondLst>
+                                    <p:cond delay="0"/>
+                                  </p:stCondLst>
+                                  <p:childTnLst>
+                                    <p:set>
+                                      <p:cBhvr>
+                                        <p:cTn id="14" dur="1" fill="hold">
+                                          <p:stCondLst>
+                                            <p:cond delay="0"/>
+                                          </p:stCondLst>
+                                        </p:cTn>
+                                        <p:tgtEl>
+                                          <p:spTgt spid="5">
+                                            <p:txEl>
+                                              <p:pRg st="2" end="2"/>
+                                            </p:txEl>
+                                          </p:spTgt>
+                                        </p:tgtEl>
+                                        <p:attrNameLst>
+                                          <p:attrName>style.visibility</p:attrName>
+                                        </p:attrNameLst>
+                                      </p:cBhvr>
+                                      <p:to>
+                                        <p:strVal val="visible"/>
+                                      </p:to>
+                                    </p:set>
+                                  </p:childTnLst>
+                                </p:cTn>
+                              </p:par>
+                            </p:childTnLst>
+                          </p:cTn>
+                        </p:par>
+                      </p:childTnLst>
+                    </p:cTn>
+                  </p:par>
+                  <p:par>
+                    <p:cTn id="15" fill="hold">
+                      <p:stCondLst>
+                        <p:cond delay="indefinite"/>
+                      </p:stCondLst>
+                      <p:childTnLst>
+                        <p:par>
+                          <p:cTn id="16" fill="hold">
+                            <p:stCondLst>
+                              <p:cond delay="0"/>
+                            </p:stCondLst>
+                            <p:childTnLst>
+                              <p:par>
+                                <p:cTn id="17" presetID="1" presetClass="entr" presetSubtype="0" fill="hold" nodeType="clickEffect">
+                                  <p:stCondLst>
+                                    <p:cond delay="0"/>
+                                  </p:stCondLst>
+                                  <p:childTnLst>
+                                    <p:set>
+                                      <p:cBhvr>
+                                        <p:cTn id="18" dur="1" fill="hold">
+                                          <p:stCondLst>
+                                            <p:cond delay="0"/>
+                                          </p:stCondLst>
+                                        </p:cTn>
+                                        <p:tgtEl>
+                                          <p:spTgt spid="5">
+                                            <p:txEl>
+                                              <p:pRg st="3" end="3"/>
+                                            </p:txEl>
+                                          </p:spTgt>
+                                        </p:tgtEl>
+                                        <p:attrNameLst>
+                                          <p:attrName>style.visibility</p:attrName>
+                                        </p:attrNameLst>
+                                      </p:cBhvr>
+                                      <p:to>
+                                        <p:strVal val="visible"/>
+                                      </p:to>
+                                    </p:set>
+                                  </p:childTnLst>
+                                </p:cTn>
+                              </p:par>
+                            </p:childTnLst>
+                          </p:cTn>
+                        </p:par>
+                      </p:childTnLst>
+                    </p:cTn>
+                  </p:par>
+                  <p:par>
+                    <p:cTn id="19" fill="hold">
+                      <p:stCondLst>
+                        <p:cond delay="indefinite"/>
+                      </p:stCondLst>
+                      <p:childTnLst>
+                        <p:par>
+                          <p:cTn id="20" fill="hold">
+                            <p:stCondLst>
+                              <p:cond delay="0"/>
+                            </p:stCondLst>
+                            <p:childTnLst>
+                              <p:par>
+                                <p:cTn id="21" presetID="1" presetClass="entr" presetSubtype="0" fill="hold" nodeType="clickEffect">
+                                  <p:stCondLst>
+                                    <p:cond delay="0"/>
+                                  </p:stCondLst>
+                                  <p:childTnLst>
+                                    <p:set>
+                                      <p:cBhvr>
+                                        <p:cTn id="22" dur="1" fill="hold">
+                                          <p:stCondLst>
+                                            <p:cond delay="0"/>
+                                          </p:stCondLst>
+                                        </p:cTn>
+                                        <p:tgtEl>
+                                          <p:spTgt spid="5">
+                                            <p:txEl>
+                                              <p:pRg st="4" end="4"/>
+                                            </p:txEl>
+                                          </p:spTgt>
+                                        </p:tgtEl>
+                                        <p:attrNameLst>
+                                          <p:attrName>style.visibility</p:attrName>
+                                        </p:attrNameLst>
+                                      </p:cBhvr>
+                                      <p:to>
+                                        <p:strVal val="visible"/>
+                                      </p:to>
+                                    </p:set>
+                                  </p:childTnLst>
+                                </p:cTn>
+                              </p:par>
+                            </p:childTnLst>
+                          </p:cTn>
+                        </p:par>
+                      </p:childTnLst>
+                    </p:cTn>
+                  </p:par>
+                </p:childTnLst>
+              </p:cTn>
+              <p:prevCondLst>
+                <p:cond evt="onPrev" delay="0">
+                  <p:tgtEl>
+                    <p:sldTgt/>
+                  </p:tgtEl>
+                </p:cond>
+              </p:prevCondLst>
+              <p:nextCondLst>
+                <p:cond evt="onNext" delay="0">
+                  <p:tgtEl>
+                    <p:sldTgt/>
+                  </p:tgtEl>
+                </p:cond>
+              </p:nextCondLst>
+            </p:seq>
+          </p:childTnLst>
+        </p:cTn>
+      </p:par>
+    </p:tnLst>
+  </p:timing>
 </p:sld>
 </file>
 
@@ -4646,6 +5752,12 @@
 </file>
 
 <file path=customXml/item1.xml><?xml version="1.0" encoding="utf-8"?>
+<p:properties xmlns:p="http://schemas.microsoft.com/office/2006/metadata/properties" xmlns:xsi="http://www.w3.org/2001/XMLSchema-instance" xmlns:pc="http://schemas.microsoft.com/office/infopath/2007/PartnerControls">
+  <documentManagement/>
+</p:properties>
+</file>
+
+<file path=customXml/item2.xml><?xml version="1.0" encoding="utf-8"?>
 <ct:contentTypeSchema xmlns:ct="http://schemas.microsoft.com/office/2006/metadata/contentType" xmlns:ma="http://schemas.microsoft.com/office/2006/metadata/properties/metaAttributes" ct:_="" ma:_="" ma:contentTypeName="Document" ma:contentTypeID="0x010100F4F7FF22093805478C1AC3DECA046AE2" ma:contentTypeVersion="8" ma:contentTypeDescription="Create a new document." ma:contentTypeScope="" ma:versionID="355f70b62edaa6431edc676a4e077378">
   <xsd:schema xmlns:xsd="http://www.w3.org/2001/XMLSchema" xmlns:xs="http://www.w3.org/2001/XMLSchema" xmlns:p="http://schemas.microsoft.com/office/2006/metadata/properties" xmlns:ns3="645951c4-77b2-4271-8f10-a0d3c1e36172" xmlns:ns4="4999cf13-cb53-4a3d-a90e-c2f6e51a4028" targetNamespace="http://schemas.microsoft.com/office/2006/metadata/properties" ma:root="true" ma:fieldsID="2227e73c82c8b7740b460282c33c29e7" ns3:_="" ns4:_="">
     <xsd:import namespace="645951c4-77b2-4271-8f10-a0d3c1e36172"/>
@@ -4836,12 +5948,6 @@
 </ct:contentTypeSchema>
 </file>
 
-<file path=customXml/item2.xml><?xml version="1.0" encoding="utf-8"?>
-<p:properties xmlns:p="http://schemas.microsoft.com/office/2006/metadata/properties" xmlns:xsi="http://www.w3.org/2001/XMLSchema-instance" xmlns:pc="http://schemas.microsoft.com/office/infopath/2007/PartnerControls">
-  <documentManagement/>
-</p:properties>
-</file>
-
 <file path=customXml/item3.xml><?xml version="1.0" encoding="utf-8"?>
 <?mso-contentType ?>
 <FormTemplates xmlns="http://schemas.microsoft.com/sharepoint/v3/contenttype/forms">
@@ -4852,6 +5958,23 @@
 </file>
 
 <file path=customXml/itemProps1.xml><?xml version="1.0" encoding="utf-8"?>
+<ds:datastoreItem xmlns:ds="http://schemas.openxmlformats.org/officeDocument/2006/customXml" ds:itemID="{92A6475F-74BE-49E2-AA53-D5190570A614}">
+  <ds:schemaRefs>
+    <ds:schemaRef ds:uri="645951c4-77b2-4271-8f10-a0d3c1e36172"/>
+    <ds:schemaRef ds:uri="http://purl.org/dc/terms/"/>
+    <ds:schemaRef ds:uri="http://schemas.openxmlformats.org/package/2006/metadata/core-properties"/>
+    <ds:schemaRef ds:uri="http://schemas.microsoft.com/office/2006/documentManagement/types"/>
+    <ds:schemaRef ds:uri="http://schemas.microsoft.com/office/infopath/2007/PartnerControls"/>
+    <ds:schemaRef ds:uri="4999cf13-cb53-4a3d-a90e-c2f6e51a4028"/>
+    <ds:schemaRef ds:uri="http://purl.org/dc/elements/1.1/"/>
+    <ds:schemaRef ds:uri="http://schemas.microsoft.com/office/2006/metadata/properties"/>
+    <ds:schemaRef ds:uri="http://www.w3.org/XML/1998/namespace"/>
+    <ds:schemaRef ds:uri="http://purl.org/dc/dcmitype/"/>
+  </ds:schemaRefs>
+</ds:datastoreItem>
+</file>
+
+<file path=customXml/itemProps2.xml><?xml version="1.0" encoding="utf-8"?>
 <ds:datastoreItem xmlns:ds="http://schemas.openxmlformats.org/officeDocument/2006/customXml" ds:itemID="{7B8DF68D-5FB3-440F-B135-BC13D85A75AA}">
   <ds:schemaRefs>
     <ds:schemaRef ds:uri="http://schemas.microsoft.com/office/2006/metadata/contentType"/>
@@ -4870,23 +5993,6 @@
 </ds:datastoreItem>
 </file>
 
-<file path=customXml/itemProps2.xml><?xml version="1.0" encoding="utf-8"?>
-<ds:datastoreItem xmlns:ds="http://schemas.openxmlformats.org/officeDocument/2006/customXml" ds:itemID="{92A6475F-74BE-49E2-AA53-D5190570A614}">
-  <ds:schemaRefs>
-    <ds:schemaRef ds:uri="645951c4-77b2-4271-8f10-a0d3c1e36172"/>
-    <ds:schemaRef ds:uri="http://purl.org/dc/terms/"/>
-    <ds:schemaRef ds:uri="http://schemas.openxmlformats.org/package/2006/metadata/core-properties"/>
-    <ds:schemaRef ds:uri="http://schemas.microsoft.com/office/2006/documentManagement/types"/>
-    <ds:schemaRef ds:uri="http://schemas.microsoft.com/office/infopath/2007/PartnerControls"/>
-    <ds:schemaRef ds:uri="4999cf13-cb53-4a3d-a90e-c2f6e51a4028"/>
-    <ds:schemaRef ds:uri="http://purl.org/dc/elements/1.1/"/>
-    <ds:schemaRef ds:uri="http://schemas.microsoft.com/office/2006/metadata/properties"/>
-    <ds:schemaRef ds:uri="http://www.w3.org/XML/1998/namespace"/>
-    <ds:schemaRef ds:uri="http://purl.org/dc/dcmitype/"/>
-  </ds:schemaRefs>
-</ds:datastoreItem>
-</file>
-
 <file path=customXml/itemProps3.xml><?xml version="1.0" encoding="utf-8"?>
 <ds:datastoreItem xmlns:ds="http://schemas.openxmlformats.org/officeDocument/2006/customXml" ds:itemID="{0C22064C-1319-48D9-99A8-E6155754BCCB}">
   <ds:schemaRefs>

--- a/2021/04 - April/28 - Summit 2021 - High-Intensity Scripting/High-Intensity Scripting.pptx
+++ b/2021/04 - April/28 - Summit 2021 - High-Intensity Scripting/High-Intensity Scripting.pptx
@@ -265,7 +265,7 @@
           <a:p>
             <a:fld id="{48A87A34-81AB-432B-8DAE-1953F412C126}" type="datetimeFigureOut">
               <a:rPr lang="en-US" dirty="0"/>
-              <a:t>4/7/2021</a:t>
+              <a:t>4/12/2021</a:t>
             </a:fld>
             <a:endParaRPr lang="en-US" dirty="0"/>
           </a:p>
@@ -457,7 +457,7 @@
           <a:p>
             <a:fld id="{48A87A34-81AB-432B-8DAE-1953F412C126}" type="datetimeFigureOut">
               <a:rPr lang="en-US" dirty="0"/>
-              <a:t>4/7/2021</a:t>
+              <a:t>4/12/2021</a:t>
             </a:fld>
             <a:endParaRPr lang="en-US" dirty="0"/>
           </a:p>
@@ -630,7 +630,7 @@
           <a:p>
             <a:fld id="{48A87A34-81AB-432B-8DAE-1953F412C126}" type="datetimeFigureOut">
               <a:rPr lang="en-US" dirty="0"/>
-              <a:t>4/7/2021</a:t>
+              <a:t>4/12/2021</a:t>
             </a:fld>
             <a:endParaRPr lang="en-US" dirty="0"/>
           </a:p>
@@ -881,7 +881,7 @@
           <a:p>
             <a:fld id="{48A87A34-81AB-432B-8DAE-1953F412C126}" type="datetimeFigureOut">
               <a:rPr lang="en-US" dirty="0"/>
-              <a:t>4/7/2021</a:t>
+              <a:t>4/12/2021</a:t>
             </a:fld>
             <a:endParaRPr lang="en-US" dirty="0"/>
           </a:p>
@@ -1121,7 +1121,7 @@
           <a:p>
             <a:fld id="{48A87A34-81AB-432B-8DAE-1953F412C126}" type="datetimeFigureOut">
               <a:rPr lang="en-US" dirty="0"/>
-              <a:t>4/7/2021</a:t>
+              <a:t>4/12/2021</a:t>
             </a:fld>
             <a:endParaRPr lang="en-US" dirty="0"/>
           </a:p>
@@ -1509,7 +1509,7 @@
           <a:p>
             <a:fld id="{48A87A34-81AB-432B-8DAE-1953F412C126}" type="datetimeFigureOut">
               <a:rPr lang="en-US" dirty="0"/>
-              <a:t>4/7/2021</a:t>
+              <a:t>4/12/2021</a:t>
             </a:fld>
             <a:endParaRPr lang="en-US" dirty="0"/>
           </a:p>
@@ -1629,7 +1629,7 @@
           <a:p>
             <a:fld id="{48A87A34-81AB-432B-8DAE-1953F412C126}" type="datetimeFigureOut">
               <a:rPr lang="en-US" dirty="0"/>
-              <a:t>4/7/2021</a:t>
+              <a:t>4/12/2021</a:t>
             </a:fld>
             <a:endParaRPr lang="en-US" dirty="0"/>
           </a:p>
@@ -1727,7 +1727,7 @@
           <a:p>
             <a:fld id="{48A87A34-81AB-432B-8DAE-1953F412C126}" type="datetimeFigureOut">
               <a:rPr lang="en-US" dirty="0"/>
-              <a:t>4/7/2021</a:t>
+              <a:t>4/12/2021</a:t>
             </a:fld>
             <a:endParaRPr lang="en-US" dirty="0"/>
           </a:p>
@@ -1950,7 +1950,7 @@
           <a:p>
             <a:fld id="{48A87A34-81AB-432B-8DAE-1953F412C126}" type="datetimeFigureOut">
               <a:rPr lang="en-US" dirty="0"/>
-              <a:t>4/7/2021</a:t>
+              <a:t>4/12/2021</a:t>
             </a:fld>
             <a:endParaRPr lang="en-US" dirty="0"/>
           </a:p>
@@ -2123,7 +2123,7 @@
           <a:p>
             <a:fld id="{48A87A34-81AB-432B-8DAE-1953F412C126}" type="datetimeFigureOut">
               <a:rPr lang="en-US" dirty="0"/>
-              <a:t>4/7/2021</a:t>
+              <a:t>4/12/2021</a:t>
             </a:fld>
             <a:endParaRPr lang="en-US" dirty="0"/>
           </a:p>
@@ -2373,7 +2373,7 @@
             <a:fld id="{48A87A34-81AB-432B-8DAE-1953F412C126}" type="datetimeFigureOut">
               <a:rPr lang="en-US" dirty="0"/>
               <a:pPr/>
-              <a:t>4/7/2021</a:t>
+              <a:t>4/12/2021</a:t>
             </a:fld>
             <a:endParaRPr lang="en-US" dirty="0"/>
           </a:p>
@@ -3163,7 +3163,7 @@
         <p:spPr>
           <a:xfrm>
             <a:off x="677880" y="3531204"/>
-            <a:ext cx="8637072" cy="1602771"/>
+            <a:ext cx="8637072" cy="2216453"/>
           </a:xfrm>
         </p:spPr>
         <p:txBody>
@@ -3175,6 +3175,15 @@
             <a:r>
               <a:rPr lang="en-US" sz="2400" dirty="0"/>
               <a:t>Revisiting Speed Optimizations with PowerShell 7</a:t>
+            </a:r>
+          </a:p>
+          <a:p>
+            <a:endParaRPr lang="en-US" sz="200" cap="none" dirty="0"/>
+          </a:p>
+          <a:p>
+            <a:r>
+              <a:rPr lang="en-US" sz="1600" cap="none" dirty="0"/>
+              <a:t>Or: PowerShell 7 Go BRRRR</a:t>
             </a:r>
           </a:p>
           <a:p>
@@ -5752,9 +5761,12 @@
 </file>
 
 <file path=customXml/item1.xml><?xml version="1.0" encoding="utf-8"?>
-<p:properties xmlns:p="http://schemas.microsoft.com/office/2006/metadata/properties" xmlns:xsi="http://www.w3.org/2001/XMLSchema-instance" xmlns:pc="http://schemas.microsoft.com/office/infopath/2007/PartnerControls">
-  <documentManagement/>
-</p:properties>
+<?mso-contentType ?>
+<FormTemplates xmlns="http://schemas.microsoft.com/sharepoint/v3/contenttype/forms">
+  <Display>DocumentLibraryForm</Display>
+  <Edit>DocumentLibraryForm</Edit>
+  <New>DocumentLibraryForm</New>
+</FormTemplates>
 </file>
 
 <file path=customXml/item2.xml><?xml version="1.0" encoding="utf-8"?>
@@ -5949,27 +5961,15 @@
 </file>
 
 <file path=customXml/item3.xml><?xml version="1.0" encoding="utf-8"?>
-<?mso-contentType ?>
-<FormTemplates xmlns="http://schemas.microsoft.com/sharepoint/v3/contenttype/forms">
-  <Display>DocumentLibraryForm</Display>
-  <Edit>DocumentLibraryForm</Edit>
-  <New>DocumentLibraryForm</New>
-</FormTemplates>
+<p:properties xmlns:p="http://schemas.microsoft.com/office/2006/metadata/properties" xmlns:xsi="http://www.w3.org/2001/XMLSchema-instance" xmlns:pc="http://schemas.microsoft.com/office/infopath/2007/PartnerControls">
+  <documentManagement/>
+</p:properties>
 </file>
 
 <file path=customXml/itemProps1.xml><?xml version="1.0" encoding="utf-8"?>
-<ds:datastoreItem xmlns:ds="http://schemas.openxmlformats.org/officeDocument/2006/customXml" ds:itemID="{92A6475F-74BE-49E2-AA53-D5190570A614}">
+<ds:datastoreItem xmlns:ds="http://schemas.openxmlformats.org/officeDocument/2006/customXml" ds:itemID="{0C22064C-1319-48D9-99A8-E6155754BCCB}">
   <ds:schemaRefs>
-    <ds:schemaRef ds:uri="645951c4-77b2-4271-8f10-a0d3c1e36172"/>
-    <ds:schemaRef ds:uri="http://purl.org/dc/terms/"/>
-    <ds:schemaRef ds:uri="http://schemas.openxmlformats.org/package/2006/metadata/core-properties"/>
-    <ds:schemaRef ds:uri="http://schemas.microsoft.com/office/2006/documentManagement/types"/>
-    <ds:schemaRef ds:uri="http://schemas.microsoft.com/office/infopath/2007/PartnerControls"/>
-    <ds:schemaRef ds:uri="4999cf13-cb53-4a3d-a90e-c2f6e51a4028"/>
-    <ds:schemaRef ds:uri="http://purl.org/dc/elements/1.1/"/>
-    <ds:schemaRef ds:uri="http://schemas.microsoft.com/office/2006/metadata/properties"/>
-    <ds:schemaRef ds:uri="http://www.w3.org/XML/1998/namespace"/>
-    <ds:schemaRef ds:uri="http://purl.org/dc/dcmitype/"/>
+    <ds:schemaRef ds:uri="http://schemas.microsoft.com/sharepoint/v3/contenttype/forms"/>
   </ds:schemaRefs>
 </ds:datastoreItem>
 </file>
@@ -5994,9 +5994,18 @@
 </file>
 
 <file path=customXml/itemProps3.xml><?xml version="1.0" encoding="utf-8"?>
-<ds:datastoreItem xmlns:ds="http://schemas.openxmlformats.org/officeDocument/2006/customXml" ds:itemID="{0C22064C-1319-48D9-99A8-E6155754BCCB}">
+<ds:datastoreItem xmlns:ds="http://schemas.openxmlformats.org/officeDocument/2006/customXml" ds:itemID="{92A6475F-74BE-49E2-AA53-D5190570A614}">
   <ds:schemaRefs>
-    <ds:schemaRef ds:uri="http://schemas.microsoft.com/sharepoint/v3/contenttype/forms"/>
+    <ds:schemaRef ds:uri="645951c4-77b2-4271-8f10-a0d3c1e36172"/>
+    <ds:schemaRef ds:uri="http://purl.org/dc/terms/"/>
+    <ds:schemaRef ds:uri="http://schemas.openxmlformats.org/package/2006/metadata/core-properties"/>
+    <ds:schemaRef ds:uri="http://schemas.microsoft.com/office/2006/documentManagement/types"/>
+    <ds:schemaRef ds:uri="http://schemas.microsoft.com/office/infopath/2007/PartnerControls"/>
+    <ds:schemaRef ds:uri="4999cf13-cb53-4a3d-a90e-c2f6e51a4028"/>
+    <ds:schemaRef ds:uri="http://purl.org/dc/elements/1.1/"/>
+    <ds:schemaRef ds:uri="http://schemas.microsoft.com/office/2006/metadata/properties"/>
+    <ds:schemaRef ds:uri="http://www.w3.org/XML/1998/namespace"/>
+    <ds:schemaRef ds:uri="http://purl.org/dc/dcmitype/"/>
   </ds:schemaRefs>
 </ds:datastoreItem>
 </file>